--- a/assets/img/sponsor-badge-templates.pptx
+++ b/assets/img/sponsor-badge-templates.pptx
@@ -105,6 +105,11 @@
       </a:defRPr>
     </a:lvl9pPr>
   </p:defaultTextStyle>
+  <p:extLst>
+    <p:ext uri="{EFAFB233-063F-42B5-8137-9DF3F51BA10A}">
+      <p15:sldGuideLst xmlns:p15="http://schemas.microsoft.com/office/powerpoint/2012/main"/>
+    </p:ext>
+  </p:extLst>
 </p:presentation>
 </file>
 
@@ -255,7 +260,7 @@
           <a:p>
             <a:fld id="{A891A87F-2973-4ED4-98DB-1C673C426A4F}" type="datetimeFigureOut">
               <a:rPr lang="en-GB" smtClean="0"/>
-              <a:t>17/11/2025</a:t>
+              <a:t>20/11/2025</a:t>
             </a:fld>
             <a:endParaRPr lang="en-GB"/>
           </a:p>
@@ -453,7 +458,7 @@
           <a:p>
             <a:fld id="{A891A87F-2973-4ED4-98DB-1C673C426A4F}" type="datetimeFigureOut">
               <a:rPr lang="en-GB" smtClean="0"/>
-              <a:t>17/11/2025</a:t>
+              <a:t>20/11/2025</a:t>
             </a:fld>
             <a:endParaRPr lang="en-GB"/>
           </a:p>
@@ -661,7 +666,7 @@
           <a:p>
             <a:fld id="{A891A87F-2973-4ED4-98DB-1C673C426A4F}" type="datetimeFigureOut">
               <a:rPr lang="en-GB" smtClean="0"/>
-              <a:t>17/11/2025</a:t>
+              <a:t>20/11/2025</a:t>
             </a:fld>
             <a:endParaRPr lang="en-GB"/>
           </a:p>
@@ -859,7 +864,7 @@
           <a:p>
             <a:fld id="{A891A87F-2973-4ED4-98DB-1C673C426A4F}" type="datetimeFigureOut">
               <a:rPr lang="en-GB" smtClean="0"/>
-              <a:t>17/11/2025</a:t>
+              <a:t>20/11/2025</a:t>
             </a:fld>
             <a:endParaRPr lang="en-GB"/>
           </a:p>
@@ -1134,7 +1139,7 @@
           <a:p>
             <a:fld id="{A891A87F-2973-4ED4-98DB-1C673C426A4F}" type="datetimeFigureOut">
               <a:rPr lang="en-GB" smtClean="0"/>
-              <a:t>17/11/2025</a:t>
+              <a:t>20/11/2025</a:t>
             </a:fld>
             <a:endParaRPr lang="en-GB"/>
           </a:p>
@@ -1399,7 +1404,7 @@
           <a:p>
             <a:fld id="{A891A87F-2973-4ED4-98DB-1C673C426A4F}" type="datetimeFigureOut">
               <a:rPr lang="en-GB" smtClean="0"/>
-              <a:t>17/11/2025</a:t>
+              <a:t>20/11/2025</a:t>
             </a:fld>
             <a:endParaRPr lang="en-GB"/>
           </a:p>
@@ -1811,7 +1816,7 @@
           <a:p>
             <a:fld id="{A891A87F-2973-4ED4-98DB-1C673C426A4F}" type="datetimeFigureOut">
               <a:rPr lang="en-GB" smtClean="0"/>
-              <a:t>17/11/2025</a:t>
+              <a:t>20/11/2025</a:t>
             </a:fld>
             <a:endParaRPr lang="en-GB"/>
           </a:p>
@@ -1952,7 +1957,7 @@
           <a:p>
             <a:fld id="{A891A87F-2973-4ED4-98DB-1C673C426A4F}" type="datetimeFigureOut">
               <a:rPr lang="en-GB" smtClean="0"/>
-              <a:t>17/11/2025</a:t>
+              <a:t>20/11/2025</a:t>
             </a:fld>
             <a:endParaRPr lang="en-GB"/>
           </a:p>
@@ -2065,7 +2070,7 @@
           <a:p>
             <a:fld id="{A891A87F-2973-4ED4-98DB-1C673C426A4F}" type="datetimeFigureOut">
               <a:rPr lang="en-GB" smtClean="0"/>
-              <a:t>17/11/2025</a:t>
+              <a:t>20/11/2025</a:t>
             </a:fld>
             <a:endParaRPr lang="en-GB"/>
           </a:p>
@@ -2376,7 +2381,7 @@
           <a:p>
             <a:fld id="{A891A87F-2973-4ED4-98DB-1C673C426A4F}" type="datetimeFigureOut">
               <a:rPr lang="en-GB" smtClean="0"/>
-              <a:t>17/11/2025</a:t>
+              <a:t>20/11/2025</a:t>
             </a:fld>
             <a:endParaRPr lang="en-GB"/>
           </a:p>
@@ -2664,7 +2669,7 @@
           <a:p>
             <a:fld id="{A891A87F-2973-4ED4-98DB-1C673C426A4F}" type="datetimeFigureOut">
               <a:rPr lang="en-GB" smtClean="0"/>
-              <a:t>17/11/2025</a:t>
+              <a:t>20/11/2025</a:t>
             </a:fld>
             <a:endParaRPr lang="en-GB"/>
           </a:p>
@@ -2905,7 +2910,7 @@
           <a:p>
             <a:fld id="{A891A87F-2973-4ED4-98DB-1C673C426A4F}" type="datetimeFigureOut">
               <a:rPr lang="en-GB" smtClean="0"/>
-              <a:t>17/11/2025</a:t>
+              <a:t>20/11/2025</a:t>
             </a:fld>
             <a:endParaRPr lang="en-GB"/>
           </a:p>
@@ -4094,10 +4099,10 @@
       </p:grpSp>
       <p:grpSp>
         <p:nvGrpSpPr>
-          <p:cNvPr id="13" name="Group 12">
-            <a:extLst>
-              <a:ext uri="{FF2B5EF4-FFF2-40B4-BE49-F238E27FC236}">
-                <a16:creationId xmlns:a16="http://schemas.microsoft.com/office/drawing/2014/main" id="{42C27DA6-EDD5-CBB3-0D26-AF984EB0B6C6}"/>
+          <p:cNvPr id="17" name="Group 16">
+            <a:extLst>
+              <a:ext uri="{FF2B5EF4-FFF2-40B4-BE49-F238E27FC236}">
+                <a16:creationId xmlns:a16="http://schemas.microsoft.com/office/drawing/2014/main" id="{7894ACDD-49AE-FF47-3F4B-33CF56BADF21}"/>
               </a:ext>
             </a:extLst>
           </p:cNvPr>
@@ -4108,7 +4113,7 @@
           <a:xfrm>
             <a:off x="1352846" y="3703073"/>
             <a:ext cx="9602329" cy="2295708"/>
-            <a:chOff x="365760" y="402336"/>
+            <a:chOff x="1352846" y="3703073"/>
             <a:chExt cx="9602329" cy="2295708"/>
           </a:xfrm>
         </p:grpSpPr>
@@ -4126,7 +4131,7 @@
           </p:nvGrpSpPr>
           <p:grpSpPr>
             <a:xfrm>
-              <a:off x="365760" y="402336"/>
+              <a:off x="1352846" y="3703073"/>
               <a:ext cx="9602329" cy="2295708"/>
               <a:chOff x="365760" y="402336"/>
               <a:chExt cx="9602329" cy="2295708"/>
@@ -4259,10 +4264,10 @@
         </p:grpSp>
         <p:pic>
           <p:nvPicPr>
-            <p:cNvPr id="11" name="Picture 10">
+            <p:cNvPr id="15" name="Picture 14">
               <a:extLst>
                 <a:ext uri="{FF2B5EF4-FFF2-40B4-BE49-F238E27FC236}">
-                  <a16:creationId xmlns:a16="http://schemas.microsoft.com/office/drawing/2014/main" id="{9F3D6823-30C7-5B0C-9A26-DA171A4E962D}"/>
+                  <a16:creationId xmlns:a16="http://schemas.microsoft.com/office/drawing/2014/main" id="{88AFB766-3884-E2B6-6C48-67AA3B2400F2}"/>
                 </a:ext>
               </a:extLst>
             </p:cNvPr>
@@ -4285,8 +4290,8 @@
           </p:blipFill>
           <p:spPr>
             <a:xfrm>
-              <a:off x="1095106" y="580694"/>
-              <a:ext cx="1128805" cy="1712020"/>
+              <a:off x="9045337" y="4096514"/>
+              <a:ext cx="1432800" cy="1428110"/>
             </a:xfrm>
             <a:prstGeom prst="rect">
               <a:avLst/>
@@ -4295,10 +4300,10 @@
         </p:pic>
         <p:pic>
           <p:nvPicPr>
-            <p:cNvPr id="12" name="Picture 11">
+            <p:cNvPr id="16" name="Picture 15">
               <a:extLst>
                 <a:ext uri="{FF2B5EF4-FFF2-40B4-BE49-F238E27FC236}">
-                  <a16:creationId xmlns:a16="http://schemas.microsoft.com/office/drawing/2014/main" id="{6FDA32E1-3923-AFD5-993B-6D3A460B0BB1}"/>
+                  <a16:creationId xmlns:a16="http://schemas.microsoft.com/office/drawing/2014/main" id="{887C443B-4EC9-3A88-03C5-7F119BE1AFEA}"/>
                 </a:ext>
               </a:extLst>
             </p:cNvPr>
@@ -4321,8 +4326,8 @@
           </p:blipFill>
           <p:spPr>
             <a:xfrm flipH="1">
-              <a:off x="7920746" y="580694"/>
-              <a:ext cx="1128657" cy="1712020"/>
+              <a:off x="1831841" y="4096513"/>
+              <a:ext cx="1430841" cy="1428110"/>
             </a:xfrm>
             <a:prstGeom prst="rect">
               <a:avLst/>
